--- a/PPTs/757.pptx
+++ b/PPTs/757.pptx
@@ -24156,7 +24156,7 @@
           <a:p>
             <a:fld id="{CCB236BB-53DE-4462-8C4F-7698E6995948}" type="datetimeFigureOut">
               <a:rPr lang="en-IN" smtClean="0"/>
-              <a:t>07-02-2021</a:t>
+              <a:t>21-03-2021</a:t>
             </a:fld>
             <a:endParaRPr lang="en-IN" dirty="0"/>
           </a:p>
@@ -24356,7 +24356,7 @@
           <a:p>
             <a:fld id="{CCB236BB-53DE-4462-8C4F-7698E6995948}" type="datetimeFigureOut">
               <a:rPr lang="en-IN" smtClean="0"/>
-              <a:t>07-02-2021</a:t>
+              <a:t>21-03-2021</a:t>
             </a:fld>
             <a:endParaRPr lang="en-IN" dirty="0"/>
           </a:p>
@@ -24566,7 +24566,7 @@
           <a:p>
             <a:fld id="{CCB236BB-53DE-4462-8C4F-7698E6995948}" type="datetimeFigureOut">
               <a:rPr lang="en-IN" smtClean="0"/>
-              <a:t>07-02-2021</a:t>
+              <a:t>21-03-2021</a:t>
             </a:fld>
             <a:endParaRPr lang="en-IN" dirty="0"/>
           </a:p>
@@ -24766,7 +24766,7 @@
           <a:p>
             <a:fld id="{CCB236BB-53DE-4462-8C4F-7698E6995948}" type="datetimeFigureOut">
               <a:rPr lang="en-IN" smtClean="0"/>
-              <a:t>07-02-2021</a:t>
+              <a:t>21-03-2021</a:t>
             </a:fld>
             <a:endParaRPr lang="en-IN" dirty="0"/>
           </a:p>
@@ -25042,7 +25042,7 @@
           <a:p>
             <a:fld id="{CCB236BB-53DE-4462-8C4F-7698E6995948}" type="datetimeFigureOut">
               <a:rPr lang="en-IN" smtClean="0"/>
-              <a:t>07-02-2021</a:t>
+              <a:t>21-03-2021</a:t>
             </a:fld>
             <a:endParaRPr lang="en-IN" dirty="0"/>
           </a:p>
@@ -25310,7 +25310,7 @@
           <a:p>
             <a:fld id="{CCB236BB-53DE-4462-8C4F-7698E6995948}" type="datetimeFigureOut">
               <a:rPr lang="en-IN" smtClean="0"/>
-              <a:t>07-02-2021</a:t>
+              <a:t>21-03-2021</a:t>
             </a:fld>
             <a:endParaRPr lang="en-IN" dirty="0"/>
           </a:p>
@@ -25725,7 +25725,7 @@
           <a:p>
             <a:fld id="{CCB236BB-53DE-4462-8C4F-7698E6995948}" type="datetimeFigureOut">
               <a:rPr lang="en-IN" smtClean="0"/>
-              <a:t>07-02-2021</a:t>
+              <a:t>21-03-2021</a:t>
             </a:fld>
             <a:endParaRPr lang="en-IN" dirty="0"/>
           </a:p>
@@ -25867,7 +25867,7 @@
           <a:p>
             <a:fld id="{CCB236BB-53DE-4462-8C4F-7698E6995948}" type="datetimeFigureOut">
               <a:rPr lang="en-IN" smtClean="0"/>
-              <a:t>07-02-2021</a:t>
+              <a:t>21-03-2021</a:t>
             </a:fld>
             <a:endParaRPr lang="en-IN" dirty="0"/>
           </a:p>
@@ -25980,7 +25980,7 @@
           <a:p>
             <a:fld id="{CCB236BB-53DE-4462-8C4F-7698E6995948}" type="datetimeFigureOut">
               <a:rPr lang="en-IN" smtClean="0"/>
-              <a:t>07-02-2021</a:t>
+              <a:t>21-03-2021</a:t>
             </a:fld>
             <a:endParaRPr lang="en-IN" dirty="0"/>
           </a:p>
@@ -26293,7 +26293,7 @@
           <a:p>
             <a:fld id="{CCB236BB-53DE-4462-8C4F-7698E6995948}" type="datetimeFigureOut">
               <a:rPr lang="en-IN" smtClean="0"/>
-              <a:t>07-02-2021</a:t>
+              <a:t>21-03-2021</a:t>
             </a:fld>
             <a:endParaRPr lang="en-IN" dirty="0"/>
           </a:p>
@@ -26582,7 +26582,7 @@
           <a:p>
             <a:fld id="{CCB236BB-53DE-4462-8C4F-7698E6995948}" type="datetimeFigureOut">
               <a:rPr lang="en-IN" smtClean="0"/>
-              <a:t>07-02-2021</a:t>
+              <a:t>21-03-2021</a:t>
             </a:fld>
             <a:endParaRPr lang="en-IN" dirty="0"/>
           </a:p>
@@ -26828,7 +26828,7 @@
           <a:p>
             <a:fld id="{CCB236BB-53DE-4462-8C4F-7698E6995948}" type="datetimeFigureOut">
               <a:rPr lang="en-IN" smtClean="0"/>
-              <a:t>07-02-2021</a:t>
+              <a:t>21-03-2021</a:t>
             </a:fld>
             <a:endParaRPr lang="en-IN" dirty="0"/>
           </a:p>
@@ -27303,7 +27303,7 @@
           <p:cNvPr id="4" name="TextBox 3">
             <a:extLst>
               <a:ext uri="{FF2B5EF4-FFF2-40B4-BE49-F238E27FC236}">
-                <a16:creationId xmlns:a16="http://schemas.microsoft.com/office/drawing/2014/main" id="{0D74DB6C-B5FD-4DD7-BAED-3AD475C1238D}"/>
+                <a16:creationId xmlns:a16="http://schemas.microsoft.com/office/drawing/2014/main" id="{2E338F77-ADE6-4F99-B7A4-DD0104FF81CB}"/>
               </a:ext>
             </a:extLst>
           </p:cNvPr>
@@ -27312,8 +27312,8 @@
         </p:nvSpPr>
         <p:spPr>
           <a:xfrm>
-            <a:off x="0" y="5402197"/>
-            <a:ext cx="12192000" cy="1446550"/>
+            <a:off x="0" y="5753069"/>
+            <a:ext cx="12192000" cy="769441"/>
           </a:xfrm>
           <a:prstGeom prst="rect">
             <a:avLst/>
@@ -27360,37 +27360,6 @@
             <a:r>
               <a:rPr lang="en-IN" dirty="0" err="1"/>
               <a:t>ù_Vm</a:t>
-            </a:r>
-            <a:r>
-              <a:rPr lang="en-IN" dirty="0"/>
-              <a:t> </a:t>
-            </a:r>
-            <a:r>
-              <a:rPr lang="en-IN" dirty="0" err="1"/>
-              <a:t>CWjRm</a:t>
-            </a:r>
-            <a:r>
-              <a:rPr lang="en-IN" dirty="0"/>
-              <a:t> </a:t>
-            </a:r>
-            <a:r>
-              <a:rPr lang="en-IN" dirty="0" err="1"/>
-              <a:t>ù_Vm</a:t>
-            </a:r>
-            <a:endParaRPr lang="en-IN" dirty="0"/>
-          </a:p>
-          <a:p>
-            <a:r>
-              <a:rPr lang="en-IN" dirty="0" err="1"/>
-              <a:t>LpYô</a:t>
-            </a:r>
-            <a:r>
-              <a:rPr lang="en-IN" dirty="0"/>
-              <a:t>¬ </a:t>
-            </a:r>
-            <a:r>
-              <a:rPr lang="en-IN" dirty="0" err="1"/>
-              <a:t>CúVÑ®u</a:t>
             </a:r>
             <a:r>
               <a:rPr lang="en-IN" dirty="0"/>
@@ -27500,7 +27469,7 @@
           <p:cNvPr id="4" name="TextBox 3">
             <a:extLst>
               <a:ext uri="{FF2B5EF4-FFF2-40B4-BE49-F238E27FC236}">
-                <a16:creationId xmlns:a16="http://schemas.microsoft.com/office/drawing/2014/main" id="{9926DCBB-009A-4F98-8A75-7C521E908DBC}"/>
+                <a16:creationId xmlns:a16="http://schemas.microsoft.com/office/drawing/2014/main" id="{A92925F9-2A50-4C00-BD8C-CBAD1C75A87E}"/>
               </a:ext>
             </a:extLst>
           </p:cNvPr>
@@ -27509,7 +27478,7 @@
         </p:nvSpPr>
         <p:spPr>
           <a:xfrm>
-            <a:off x="0" y="5402466"/>
+            <a:off x="0" y="5402474"/>
             <a:ext cx="12192000" cy="1446550"/>
           </a:xfrm>
           <a:prstGeom prst="rect">
@@ -27713,7 +27682,7 @@
           <p:cNvPr id="4" name="TextBox 3">
             <a:extLst>
               <a:ext uri="{FF2B5EF4-FFF2-40B4-BE49-F238E27FC236}">
-                <a16:creationId xmlns:a16="http://schemas.microsoft.com/office/drawing/2014/main" id="{CCC64A97-DD12-42FE-A86B-466E818F6D7F}"/>
+                <a16:creationId xmlns:a16="http://schemas.microsoft.com/office/drawing/2014/main" id="{3C901A7B-C69F-420F-A2D5-75CDD19EEB67}"/>
               </a:ext>
             </a:extLst>
           </p:cNvPr>
@@ -27722,8 +27691,8 @@
         </p:nvSpPr>
         <p:spPr>
           <a:xfrm>
-            <a:off x="-1" y="5401922"/>
-            <a:ext cx="12191999" cy="1446550"/>
+            <a:off x="0" y="5401922"/>
+            <a:ext cx="12192000" cy="1446550"/>
           </a:xfrm>
           <a:prstGeom prst="rect">
             <a:avLst/>
@@ -27899,10 +27868,10 @@
       </p:sp>
       <p:sp>
         <p:nvSpPr>
-          <p:cNvPr id="3" name="TextBox 2">
+          <p:cNvPr id="4" name="TextBox 3">
             <a:extLst>
               <a:ext uri="{FF2B5EF4-FFF2-40B4-BE49-F238E27FC236}">
-                <a16:creationId xmlns:a16="http://schemas.microsoft.com/office/drawing/2014/main" id="{FBE13985-E798-4900-A666-6592E8E42CCB}"/>
+                <a16:creationId xmlns:a16="http://schemas.microsoft.com/office/drawing/2014/main" id="{DB3FDDB9-DEAB-4968-BEF7-A946C2F3186E}"/>
               </a:ext>
             </a:extLst>
           </p:cNvPr>
@@ -27911,7 +27880,7 @@
         </p:nvSpPr>
         <p:spPr>
           <a:xfrm>
-            <a:off x="0" y="5402471"/>
+            <a:off x="0" y="5413106"/>
             <a:ext cx="12192000" cy="1446550"/>
           </a:xfrm>
           <a:prstGeom prst="rect">
@@ -28087,7 +28056,7 @@
           <p:cNvPr id="4" name="TextBox 3">
             <a:extLst>
               <a:ext uri="{FF2B5EF4-FFF2-40B4-BE49-F238E27FC236}">
-                <a16:creationId xmlns:a16="http://schemas.microsoft.com/office/drawing/2014/main" id="{F9A4AE27-FFCC-43E4-AE7C-AE2C483CE1EA}"/>
+                <a16:creationId xmlns:a16="http://schemas.microsoft.com/office/drawing/2014/main" id="{51B9DE1A-7CE2-4650-886F-78FFEAF028A9}"/>
               </a:ext>
             </a:extLst>
           </p:cNvPr>
@@ -28096,8 +28065,8 @@
         </p:nvSpPr>
         <p:spPr>
           <a:xfrm>
-            <a:off x="0" y="5742989"/>
-            <a:ext cx="12192000" cy="769441"/>
+            <a:off x="0" y="5402471"/>
+            <a:ext cx="12192000" cy="1446550"/>
           </a:xfrm>
           <a:prstGeom prst="rect">
             <a:avLst/>
@@ -28132,6 +28101,37 @@
               </a:defRPr>
             </a:lvl1pPr>
           </a:lstStyle>
+          <a:p>
+            <a:r>
+              <a:rPr lang="en-IN" dirty="0" err="1"/>
+              <a:t>LpYô</a:t>
+            </a:r>
+            <a:r>
+              <a:rPr lang="en-IN" dirty="0"/>
+              <a:t>¬ </a:t>
+            </a:r>
+            <a:r>
+              <a:rPr lang="en-IN" dirty="0" err="1"/>
+              <a:t>CúVÑ®u</a:t>
+            </a:r>
+            <a:r>
+              <a:rPr lang="en-IN" dirty="0"/>
+              <a:t> </a:t>
+            </a:r>
+            <a:r>
+              <a:rPr lang="en-IN" dirty="0" err="1"/>
+              <a:t>CWjRm</a:t>
+            </a:r>
+            <a:r>
+              <a:rPr lang="en-IN" dirty="0"/>
+              <a:t> </a:t>
+            </a:r>
+            <a:r>
+              <a:rPr lang="en-IN" dirty="0" err="1"/>
+              <a:t>ù_Vm</a:t>
+            </a:r>
+            <a:endParaRPr lang="en-IN" dirty="0"/>
+          </a:p>
           <a:p>
             <a:r>
               <a:rPr lang="en-IN" dirty="0" err="1"/>
@@ -28245,7 +28245,7 @@
           <p:cNvPr id="4" name="TextBox 3">
             <a:extLst>
               <a:ext uri="{FF2B5EF4-FFF2-40B4-BE49-F238E27FC236}">
-                <a16:creationId xmlns:a16="http://schemas.microsoft.com/office/drawing/2014/main" id="{668E6435-5323-4747-9272-3EB5E35A9CC8}"/>
+                <a16:creationId xmlns:a16="http://schemas.microsoft.com/office/drawing/2014/main" id="{591AA91C-19F3-4AC3-855E-425AAC48A18F}"/>
               </a:ext>
             </a:extLst>
           </p:cNvPr>
@@ -28254,7 +28254,7 @@
         </p:nvSpPr>
         <p:spPr>
           <a:xfrm>
-            <a:off x="0" y="5401919"/>
+            <a:off x="0" y="5401924"/>
             <a:ext cx="12192000" cy="1446550"/>
           </a:xfrm>
           <a:prstGeom prst="rect">
@@ -28362,10 +28362,7 @@
               <a:rPr lang="en-IN" dirty="0" err="1"/>
               <a:t>ù_Vm</a:t>
             </a:r>
-            <a:r>
-              <a:rPr lang="en-IN" dirty="0"/>
-              <a:t> </a:t>
-            </a:r>
+            <a:endParaRPr lang="en-IN" dirty="0"/>
           </a:p>
         </p:txBody>
       </p:sp>
@@ -28457,7 +28454,7 @@
           <p:cNvPr id="4" name="TextBox 3">
             <a:extLst>
               <a:ext uri="{FF2B5EF4-FFF2-40B4-BE49-F238E27FC236}">
-                <a16:creationId xmlns:a16="http://schemas.microsoft.com/office/drawing/2014/main" id="{4E19CC3E-6C39-4A0B-8875-B85AA682653A}"/>
+                <a16:creationId xmlns:a16="http://schemas.microsoft.com/office/drawing/2014/main" id="{1E34A3A9-DE4E-4C0D-AAFE-881846260458}"/>
               </a:ext>
             </a:extLst>
           </p:cNvPr>
@@ -28654,7 +28651,7 @@
           <p:cNvPr id="4" name="TextBox 3">
             <a:extLst>
               <a:ext uri="{FF2B5EF4-FFF2-40B4-BE49-F238E27FC236}">
-                <a16:creationId xmlns:a16="http://schemas.microsoft.com/office/drawing/2014/main" id="{86952C07-B305-4AF1-96B8-71B4577F1ED1}"/>
+                <a16:creationId xmlns:a16="http://schemas.microsoft.com/office/drawing/2014/main" id="{ADDB1086-22B9-4B30-B75A-3B76FBF55966}"/>
               </a:ext>
             </a:extLst>
           </p:cNvPr>
@@ -28663,7 +28660,7 @@
         </p:nvSpPr>
         <p:spPr>
           <a:xfrm>
-            <a:off x="0" y="5401920"/>
+            <a:off x="0" y="5391286"/>
             <a:ext cx="12192000" cy="1446550"/>
           </a:xfrm>
           <a:prstGeom prst="rect">
@@ -28843,7 +28840,7 @@
           <p:cNvPr id="4" name="TextBox 3">
             <a:extLst>
               <a:ext uri="{FF2B5EF4-FFF2-40B4-BE49-F238E27FC236}">
-                <a16:creationId xmlns:a16="http://schemas.microsoft.com/office/drawing/2014/main" id="{3E63726F-724A-412C-9414-70850FDC0B53}"/>
+                <a16:creationId xmlns:a16="http://schemas.microsoft.com/office/drawing/2014/main" id="{A267CCE3-CAF2-48AC-8ABB-B4330D7BEF66}"/>
               </a:ext>
             </a:extLst>
           </p:cNvPr>
@@ -28852,8 +28849,8 @@
         </p:nvSpPr>
         <p:spPr>
           <a:xfrm>
-            <a:off x="-1" y="5402471"/>
-            <a:ext cx="12191999" cy="1446550"/>
+            <a:off x="0" y="5402471"/>
+            <a:ext cx="12192000" cy="1446550"/>
           </a:xfrm>
           <a:prstGeom prst="rect">
             <a:avLst/>
@@ -29048,7 +29045,7 @@
           <p:cNvPr id="4" name="TextBox 3">
             <a:extLst>
               <a:ext uri="{FF2B5EF4-FFF2-40B4-BE49-F238E27FC236}">
-                <a16:creationId xmlns:a16="http://schemas.microsoft.com/office/drawing/2014/main" id="{54BBA640-DE12-4549-8282-28FD57EC4D25}"/>
+                <a16:creationId xmlns:a16="http://schemas.microsoft.com/office/drawing/2014/main" id="{2F7957A5-157D-48E7-B8BD-02942CC4E07F}"/>
               </a:ext>
             </a:extLst>
           </p:cNvPr>
@@ -29057,8 +29054,8 @@
         </p:nvSpPr>
         <p:spPr>
           <a:xfrm>
-            <a:off x="0" y="5401920"/>
-            <a:ext cx="12192000" cy="1446550"/>
+            <a:off x="-1" y="5401922"/>
+            <a:ext cx="12191999" cy="1446550"/>
           </a:xfrm>
           <a:prstGeom prst="rect">
             <a:avLst/>
@@ -29265,7 +29262,7 @@
           <p:cNvPr id="4" name="TextBox 3">
             <a:extLst>
               <a:ext uri="{FF2B5EF4-FFF2-40B4-BE49-F238E27FC236}">
-                <a16:creationId xmlns:a16="http://schemas.microsoft.com/office/drawing/2014/main" id="{CFA07234-A5F7-4D3E-A708-D138AEC8876E}"/>
+                <a16:creationId xmlns:a16="http://schemas.microsoft.com/office/drawing/2014/main" id="{E47543AB-A1D8-41EA-8379-1FF52B7B66DE}"/>
               </a:ext>
             </a:extLst>
           </p:cNvPr>
@@ -29274,8 +29271,8 @@
         </p:nvSpPr>
         <p:spPr>
           <a:xfrm>
-            <a:off x="-1" y="5402471"/>
-            <a:ext cx="12191999" cy="1446550"/>
+            <a:off x="0" y="5413106"/>
+            <a:ext cx="12192000" cy="1446550"/>
           </a:xfrm>
           <a:prstGeom prst="rect">
             <a:avLst/>
@@ -29470,7 +29467,7 @@
           <p:cNvPr id="4" name="TextBox 3">
             <a:extLst>
               <a:ext uri="{FF2B5EF4-FFF2-40B4-BE49-F238E27FC236}">
-                <a16:creationId xmlns:a16="http://schemas.microsoft.com/office/drawing/2014/main" id="{B3618223-3887-4963-A5DF-66BEFE6CFB30}"/>
+                <a16:creationId xmlns:a16="http://schemas.microsoft.com/office/drawing/2014/main" id="{5F49FE32-1B5D-49AF-8793-39C8CD25EC65}"/>
               </a:ext>
             </a:extLst>
           </p:cNvPr>
@@ -29479,7 +29476,7 @@
         </p:nvSpPr>
         <p:spPr>
           <a:xfrm>
-            <a:off x="0" y="5401922"/>
+            <a:off x="0" y="5401923"/>
             <a:ext cx="12192000" cy="1446550"/>
           </a:xfrm>
           <a:prstGeom prst="rect">
